--- a/ゼミ0629.pptx
+++ b/ゼミ0629.pptx
@@ -8,6 +8,7 @@
     <p:sldId id="256" r:id="rId2"/>
     <p:sldId id="257" r:id="rId3"/>
     <p:sldId id="258" r:id="rId4"/>
+    <p:sldId id="259" r:id="rId5"/>
   </p:sldIdLst>
   <p:sldSz cx="12192000" cy="6858000"/>
   <p:notesSz cx="6858000" cy="9144000"/>
@@ -106,6 +107,11 @@
       </a:defRPr>
     </a:lvl9pPr>
   </p:defaultTextStyle>
+  <p:extLst>
+    <p:ext uri="{EFAFB233-063F-42B5-8137-9DF3F51BA10A}">
+      <p15:sldGuideLst xmlns:p15="http://schemas.microsoft.com/office/powerpoint/2012/main"/>
+    </p:ext>
+  </p:extLst>
 </p:presentation>
 </file>
 
@@ -256,7 +262,7 @@
           <a:p>
             <a:fld id="{DFFD3935-61C2-C146-A903-D6B10610613F}" type="datetimeFigureOut">
               <a:rPr kumimoji="1" lang="ja-JP" altLang="en-US" smtClean="0"/>
-              <a:t>2021/6/28</a:t>
+              <a:t>2021/6/29</a:t>
             </a:fld>
             <a:endParaRPr kumimoji="1" lang="ja-JP" altLang="en-US"/>
           </a:p>
@@ -486,7 +492,7 @@
           <a:p>
             <a:fld id="{DFFD3935-61C2-C146-A903-D6B10610613F}" type="datetimeFigureOut">
               <a:rPr kumimoji="1" lang="ja-JP" altLang="en-US" smtClean="0"/>
-              <a:t>2021/6/28</a:t>
+              <a:t>2021/6/29</a:t>
             </a:fld>
             <a:endParaRPr kumimoji="1" lang="ja-JP" altLang="en-US"/>
           </a:p>
@@ -726,7 +732,7 @@
           <a:p>
             <a:fld id="{DFFD3935-61C2-C146-A903-D6B10610613F}" type="datetimeFigureOut">
               <a:rPr kumimoji="1" lang="ja-JP" altLang="en-US" smtClean="0"/>
-              <a:t>2021/6/28</a:t>
+              <a:t>2021/6/29</a:t>
             </a:fld>
             <a:endParaRPr kumimoji="1" lang="ja-JP" altLang="en-US"/>
           </a:p>
@@ -956,7 +962,7 @@
           <a:p>
             <a:fld id="{DFFD3935-61C2-C146-A903-D6B10610613F}" type="datetimeFigureOut">
               <a:rPr kumimoji="1" lang="ja-JP" altLang="en-US" smtClean="0"/>
-              <a:t>2021/6/28</a:t>
+              <a:t>2021/6/29</a:t>
             </a:fld>
             <a:endParaRPr kumimoji="1" lang="ja-JP" altLang="en-US"/>
           </a:p>
@@ -1231,7 +1237,7 @@
           <a:p>
             <a:fld id="{DFFD3935-61C2-C146-A903-D6B10610613F}" type="datetimeFigureOut">
               <a:rPr kumimoji="1" lang="ja-JP" altLang="en-US" smtClean="0"/>
-              <a:t>2021/6/28</a:t>
+              <a:t>2021/6/29</a:t>
             </a:fld>
             <a:endParaRPr kumimoji="1" lang="ja-JP" altLang="en-US"/>
           </a:p>
@@ -1560,7 +1566,7 @@
           <a:p>
             <a:fld id="{DFFD3935-61C2-C146-A903-D6B10610613F}" type="datetimeFigureOut">
               <a:rPr kumimoji="1" lang="ja-JP" altLang="en-US" smtClean="0"/>
-              <a:t>2021/6/28</a:t>
+              <a:t>2021/6/29</a:t>
             </a:fld>
             <a:endParaRPr kumimoji="1" lang="ja-JP" altLang="en-US"/>
           </a:p>
@@ -2036,7 +2042,7 @@
           <a:p>
             <a:fld id="{DFFD3935-61C2-C146-A903-D6B10610613F}" type="datetimeFigureOut">
               <a:rPr kumimoji="1" lang="ja-JP" altLang="en-US" smtClean="0"/>
-              <a:t>2021/6/28</a:t>
+              <a:t>2021/6/29</a:t>
             </a:fld>
             <a:endParaRPr kumimoji="1" lang="ja-JP" altLang="en-US"/>
           </a:p>
@@ -2177,7 +2183,7 @@
           <a:p>
             <a:fld id="{DFFD3935-61C2-C146-A903-D6B10610613F}" type="datetimeFigureOut">
               <a:rPr kumimoji="1" lang="ja-JP" altLang="en-US" smtClean="0"/>
-              <a:t>2021/6/28</a:t>
+              <a:t>2021/6/29</a:t>
             </a:fld>
             <a:endParaRPr kumimoji="1" lang="ja-JP" altLang="en-US"/>
           </a:p>
@@ -2290,7 +2296,7 @@
           <a:p>
             <a:fld id="{DFFD3935-61C2-C146-A903-D6B10610613F}" type="datetimeFigureOut">
               <a:rPr kumimoji="1" lang="ja-JP" altLang="en-US" smtClean="0"/>
-              <a:t>2021/6/28</a:t>
+              <a:t>2021/6/29</a:t>
             </a:fld>
             <a:endParaRPr kumimoji="1" lang="ja-JP" altLang="en-US"/>
           </a:p>
@@ -2633,7 +2639,7 @@
           <a:p>
             <a:fld id="{DFFD3935-61C2-C146-A903-D6B10610613F}" type="datetimeFigureOut">
               <a:rPr kumimoji="1" lang="ja-JP" altLang="en-US" smtClean="0"/>
-              <a:t>2021/6/28</a:t>
+              <a:t>2021/6/29</a:t>
             </a:fld>
             <a:endParaRPr kumimoji="1" lang="ja-JP" altLang="en-US"/>
           </a:p>
@@ -2921,7 +2927,7 @@
           <a:p>
             <a:fld id="{DFFD3935-61C2-C146-A903-D6B10610613F}" type="datetimeFigureOut">
               <a:rPr kumimoji="1" lang="ja-JP" altLang="en-US" smtClean="0"/>
-              <a:t>2021/6/28</a:t>
+              <a:t>2021/6/29</a:t>
             </a:fld>
             <a:endParaRPr kumimoji="1" lang="ja-JP" altLang="en-US"/>
           </a:p>
@@ -3194,7 +3200,7 @@
           <a:p>
             <a:fld id="{DFFD3935-61C2-C146-A903-D6B10610613F}" type="datetimeFigureOut">
               <a:rPr kumimoji="1" lang="ja-JP" altLang="en-US" smtClean="0"/>
-              <a:t>2021/6/28</a:t>
+              <a:t>2021/6/29</a:t>
             </a:fld>
             <a:endParaRPr kumimoji="1" lang="ja-JP" altLang="en-US"/>
           </a:p>
@@ -3756,7 +3762,10 @@
           <a:bodyPr/>
           <a:lstStyle/>
           <a:p>
-            <a:endParaRPr kumimoji="1" lang="ja-JP" altLang="en-US"/>
+            <a:r>
+              <a:rPr kumimoji="1" lang="ja-JP" altLang="en-US"/>
+              <a:t>一応最後まで実行して結果が出せた</a:t>
+            </a:r>
           </a:p>
         </p:txBody>
       </p:sp>
@@ -3893,14 +3902,14 @@
           <p:nvPr>
             <p:extLst>
               <p:ext uri="{D42A27DB-BD31-4B8C-83A1-F6EECF244321}">
-                <p14:modId xmlns:p14="http://schemas.microsoft.com/office/powerpoint/2010/main" val="2141321309"/>
+                <p14:modId xmlns:p14="http://schemas.microsoft.com/office/powerpoint/2010/main" val="4092829113"/>
               </p:ext>
             </p:extLst>
           </p:nvPr>
         </p:nvGraphicFramePr>
         <p:xfrm>
           <a:off x="1042234" y="2399988"/>
-          <a:ext cx="3981830" cy="3056870"/>
+          <a:ext cx="3981830" cy="3311384"/>
         </p:xfrm>
         <a:graphic>
           <a:graphicData uri="http://schemas.openxmlformats.org/drawingml/2006/table">
@@ -4630,18 +4639,68 @@
                     <a:bodyPr/>
                     <a:lstStyle/>
                     <a:p>
-                      <a:r>
-                        <a:rPr lang="en" sz="1100">
-                          <a:solidFill>
-                            <a:srgbClr val="000000"/>
-                          </a:solidFill>
-                          <a:effectLst/>
-                          <a:latin typeface="Hiragino Kaku Gothic ProN" panose="020B0300000000000000" pitchFamily="34" charset="-128"/>
-                          <a:ea typeface="Hiragino Kaku Gothic ProN" panose="020B0300000000000000" pitchFamily="34" charset="-128"/>
-                        </a:rPr>
-                        <a:t>BIC</a:t>
-                      </a:r>
-                      <a:endParaRPr lang="en" sz="1100">
+                      <a:endParaRPr lang="en" sz="1100" dirty="0">
+                        <a:solidFill>
+                          <a:srgbClr val="000000"/>
+                        </a:solidFill>
+                        <a:effectLst/>
+                        <a:latin typeface="Hiragino Kaku Gothic ProN" panose="020B0300000000000000" pitchFamily="34" charset="-128"/>
+                        <a:ea typeface="Hiragino Kaku Gothic ProN" panose="020B0300000000000000" pitchFamily="34" charset="-128"/>
+                      </a:endParaRPr>
+                    </a:p>
+                  </a:txBody>
+                  <a:tcPr marL="23047" marR="23047" marT="23047" marB="23047">
+                    <a:lnL w="9525" cap="flat" cmpd="sng" algn="ctr">
+                      <a:solidFill>
+                        <a:srgbClr val="000000"/>
+                      </a:solidFill>
+                      <a:prstDash val="solid"/>
+                      <a:round/>
+                      <a:headEnd type="none" w="med" len="med"/>
+                      <a:tailEnd type="none" w="med" len="med"/>
+                    </a:lnL>
+                    <a:lnR w="9525" cap="flat" cmpd="sng" algn="ctr">
+                      <a:solidFill>
+                        <a:srgbClr val="000000"/>
+                      </a:solidFill>
+                      <a:prstDash val="solid"/>
+                      <a:round/>
+                      <a:headEnd type="none" w="med" len="med"/>
+                      <a:tailEnd type="none" w="med" len="med"/>
+                    </a:lnR>
+                    <a:lnT w="9525" cap="flat" cmpd="sng" algn="ctr">
+                      <a:solidFill>
+                        <a:srgbClr val="000000"/>
+                      </a:solidFill>
+                      <a:prstDash val="solid"/>
+                      <a:round/>
+                      <a:headEnd type="none" w="med" len="med"/>
+                      <a:tailEnd type="none" w="med" len="med"/>
+                    </a:lnT>
+                    <a:lnB w="9525" cap="flat" cmpd="sng" algn="ctr">
+                      <a:solidFill>
+                        <a:srgbClr val="000000"/>
+                      </a:solidFill>
+                      <a:prstDash val="solid"/>
+                      <a:round/>
+                      <a:headEnd type="none" w="med" len="med"/>
+                      <a:tailEnd type="none" w="med" len="med"/>
+                    </a:lnB>
+                  </a:tcPr>
+                </a:tc>
+                <a:extLst>
+                  <a:ext uri="{0D108BD9-81ED-4DB2-BD59-A6C34878D82A}">
+                    <a16:rowId xmlns:a16="http://schemas.microsoft.com/office/drawing/2014/main" val="3610297996"/>
+                  </a:ext>
+                </a:extLst>
+              </a:tr>
+              <a:tr h="254514">
+                <a:tc>
+                  <a:txBody>
+                    <a:bodyPr/>
+                    <a:lstStyle/>
+                    <a:p>
+                      <a:endParaRPr lang="ja-JP" altLang="en-US" sz="1100">
                         <a:effectLst/>
                       </a:endParaRPr>
                     </a:p>
@@ -4683,11 +4742,120 @@
                       <a:headEnd type="none" w="med" len="med"/>
                       <a:tailEnd type="none" w="med" len="med"/>
                     </a:lnB>
+                    <a:solidFill>
+                      <a:srgbClr val="D4D4D4"/>
+                    </a:solidFill>
+                  </a:tcPr>
+                </a:tc>
+                <a:tc>
+                  <a:txBody>
+                    <a:bodyPr/>
+                    <a:lstStyle/>
+                    <a:p>
+                      <a:r>
+                        <a:rPr lang="en" sz="1100" dirty="0">
+                          <a:effectLst/>
+                        </a:rPr>
+                        <a:t>BIC</a:t>
+                      </a:r>
+                    </a:p>
+                  </a:txBody>
+                  <a:tcPr marL="23047" marR="23047" marT="23047" marB="23047">
+                    <a:lnL w="9525" cap="flat" cmpd="sng" algn="ctr">
+                      <a:solidFill>
+                        <a:srgbClr val="000000"/>
+                      </a:solidFill>
+                      <a:prstDash val="solid"/>
+                      <a:round/>
+                      <a:headEnd type="none" w="med" len="med"/>
+                      <a:tailEnd type="none" w="med" len="med"/>
+                    </a:lnL>
+                    <a:lnR w="9525" cap="flat" cmpd="sng" algn="ctr">
+                      <a:solidFill>
+                        <a:srgbClr val="000000"/>
+                      </a:solidFill>
+                      <a:prstDash val="solid"/>
+                      <a:round/>
+                      <a:headEnd type="none" w="med" len="med"/>
+                      <a:tailEnd type="none" w="med" len="med"/>
+                    </a:lnR>
+                    <a:lnT w="9525" cap="flat" cmpd="sng" algn="ctr">
+                      <a:solidFill>
+                        <a:srgbClr val="000000"/>
+                      </a:solidFill>
+                      <a:prstDash val="solid"/>
+                      <a:round/>
+                      <a:headEnd type="none" w="med" len="med"/>
+                      <a:tailEnd type="none" w="med" len="med"/>
+                    </a:lnT>
+                    <a:lnB w="9525" cap="flat" cmpd="sng" algn="ctr">
+                      <a:solidFill>
+                        <a:srgbClr val="000000"/>
+                      </a:solidFill>
+                      <a:prstDash val="solid"/>
+                      <a:round/>
+                      <a:headEnd type="none" w="med" len="med"/>
+                      <a:tailEnd type="none" w="med" len="med"/>
+                    </a:lnB>
+                  </a:tcPr>
+                </a:tc>
+                <a:tc>
+                  <a:txBody>
+                    <a:bodyPr/>
+                    <a:lstStyle/>
+                    <a:p>
+                      <a:endParaRPr lang="en" sz="1100" dirty="0">
+                        <a:solidFill>
+                          <a:srgbClr val="000000"/>
+                        </a:solidFill>
+                        <a:effectLst/>
+                        <a:latin typeface="Hiragino Kaku Gothic ProN" panose="020B0300000000000000" pitchFamily="34" charset="-128"/>
+                        <a:ea typeface="Hiragino Kaku Gothic ProN" panose="020B0300000000000000" pitchFamily="34" charset="-128"/>
+                      </a:endParaRPr>
+                    </a:p>
+                  </a:txBody>
+                  <a:tcPr marL="23047" marR="23047" marT="23047" marB="23047">
+                    <a:lnL w="9525" cap="flat" cmpd="sng" algn="ctr">
+                      <a:solidFill>
+                        <a:srgbClr val="000000"/>
+                      </a:solidFill>
+                      <a:prstDash val="solid"/>
+                      <a:round/>
+                      <a:headEnd type="none" w="med" len="med"/>
+                      <a:tailEnd type="none" w="med" len="med"/>
+                    </a:lnL>
+                    <a:lnR w="9525" cap="flat" cmpd="sng" algn="ctr">
+                      <a:solidFill>
+                        <a:srgbClr val="000000"/>
+                      </a:solidFill>
+                      <a:prstDash val="solid"/>
+                      <a:round/>
+                      <a:headEnd type="none" w="med" len="med"/>
+                      <a:tailEnd type="none" w="med" len="med"/>
+                    </a:lnR>
+                    <a:lnT w="9525" cap="flat" cmpd="sng" algn="ctr">
+                      <a:solidFill>
+                        <a:srgbClr val="000000"/>
+                      </a:solidFill>
+                      <a:prstDash val="solid"/>
+                      <a:round/>
+                      <a:headEnd type="none" w="med" len="med"/>
+                      <a:tailEnd type="none" w="med" len="med"/>
+                    </a:lnT>
+                    <a:lnB w="9525" cap="flat" cmpd="sng" algn="ctr">
+                      <a:solidFill>
+                        <a:srgbClr val="000000"/>
+                      </a:solidFill>
+                      <a:prstDash val="solid"/>
+                      <a:round/>
+                      <a:headEnd type="none" w="med" len="med"/>
+                      <a:tailEnd type="none" w="med" len="med"/>
+                    </a:lnB>
                   </a:tcPr>
                 </a:tc>
                 <a:extLst>
                   <a:ext uri="{0D108BD9-81ED-4DB2-BD59-A6C34878D82A}">
-                    <a16:rowId xmlns:a16="http://schemas.microsoft.com/office/drawing/2014/main" val="3610297996"/>
+                    <a16:rowId xmlns:a16="http://schemas.microsoft.com/office/drawing/2014/main" val="2735559906"/>
                   </a:ext>
                 </a:extLst>
               </a:tr>
@@ -5470,14 +5638,14 @@
           <p:nvPr>
             <p:extLst>
               <p:ext uri="{D42A27DB-BD31-4B8C-83A1-F6EECF244321}">
-                <p14:modId xmlns:p14="http://schemas.microsoft.com/office/powerpoint/2010/main" val="3094879045"/>
+                <p14:modId xmlns:p14="http://schemas.microsoft.com/office/powerpoint/2010/main" val="3437805964"/>
               </p:ext>
             </p:extLst>
           </p:nvPr>
         </p:nvGraphicFramePr>
         <p:xfrm>
           <a:off x="6374521" y="2342016"/>
-          <a:ext cx="3981830" cy="3172813"/>
+          <a:ext cx="3981830" cy="3438246"/>
         </p:xfrm>
         <a:graphic>
           <a:graphicData uri="http://schemas.openxmlformats.org/drawingml/2006/table">
@@ -6148,7 +6316,7 @@
                     <a:lstStyle/>
                     <a:p>
                       <a:r>
-                        <a:rPr lang="en" sz="1100">
+                        <a:rPr lang="en" sz="1100" dirty="0">
                           <a:solidFill>
                             <a:srgbClr val="000000"/>
                           </a:solidFill>
@@ -6158,7 +6326,7 @@
                         </a:rPr>
                         <a:t>AIC</a:t>
                       </a:r>
-                      <a:endParaRPr lang="en" sz="1100">
+                      <a:endParaRPr lang="en" sz="1100" dirty="0">
                         <a:effectLst/>
                       </a:endParaRPr>
                     </a:p>
@@ -6207,18 +6375,7 @@
                     <a:bodyPr/>
                     <a:lstStyle/>
                     <a:p>
-                      <a:r>
-                        <a:rPr lang="en" sz="1100">
-                          <a:solidFill>
-                            <a:srgbClr val="000000"/>
-                          </a:solidFill>
-                          <a:effectLst/>
-                          <a:latin typeface="Hiragino Kaku Gothic ProN" panose="020B0300000000000000" pitchFamily="34" charset="-128"/>
-                          <a:ea typeface="Hiragino Kaku Gothic ProN" panose="020B0300000000000000" pitchFamily="34" charset="-128"/>
-                        </a:rPr>
-                        <a:t>BIC</a:t>
-                      </a:r>
-                      <a:endParaRPr lang="en" sz="1100">
+                      <a:endParaRPr lang="en" sz="1100" dirty="0">
                         <a:effectLst/>
                       </a:endParaRPr>
                     </a:p>
@@ -6265,6 +6422,166 @@
                 <a:extLst>
                   <a:ext uri="{0D108BD9-81ED-4DB2-BD59-A6C34878D82A}">
                     <a16:rowId xmlns:a16="http://schemas.microsoft.com/office/drawing/2014/main" val="2364861167"/>
+                  </a:ext>
+                </a:extLst>
+              </a:tr>
+              <a:tr h="265433">
+                <a:tc>
+                  <a:txBody>
+                    <a:bodyPr/>
+                    <a:lstStyle/>
+                    <a:p>
+                      <a:endParaRPr lang="ja-JP" altLang="en-US" sz="1100">
+                        <a:effectLst/>
+                      </a:endParaRPr>
+                    </a:p>
+                  </a:txBody>
+                  <a:tcPr marL="23047" marR="23047" marT="23047" marB="23047">
+                    <a:lnL w="9525" cap="flat" cmpd="sng" algn="ctr">
+                      <a:solidFill>
+                        <a:srgbClr val="000000"/>
+                      </a:solidFill>
+                      <a:prstDash val="solid"/>
+                      <a:round/>
+                      <a:headEnd type="none" w="med" len="med"/>
+                      <a:tailEnd type="none" w="med" len="med"/>
+                    </a:lnL>
+                    <a:lnR w="9525" cap="flat" cmpd="sng" algn="ctr">
+                      <a:solidFill>
+                        <a:srgbClr val="000000"/>
+                      </a:solidFill>
+                      <a:prstDash val="solid"/>
+                      <a:round/>
+                      <a:headEnd type="none" w="med" len="med"/>
+                      <a:tailEnd type="none" w="med" len="med"/>
+                    </a:lnR>
+                    <a:lnT w="9525" cap="flat" cmpd="sng" algn="ctr">
+                      <a:solidFill>
+                        <a:srgbClr val="000000"/>
+                      </a:solidFill>
+                      <a:prstDash val="solid"/>
+                      <a:round/>
+                      <a:headEnd type="none" w="med" len="med"/>
+                      <a:tailEnd type="none" w="med" len="med"/>
+                    </a:lnT>
+                    <a:lnB w="9525" cap="flat" cmpd="sng" algn="ctr">
+                      <a:solidFill>
+                        <a:srgbClr val="000000"/>
+                      </a:solidFill>
+                      <a:prstDash val="solid"/>
+                      <a:round/>
+                      <a:headEnd type="none" w="med" len="med"/>
+                      <a:tailEnd type="none" w="med" len="med"/>
+                    </a:lnB>
+                    <a:solidFill>
+                      <a:srgbClr val="D4D4D4"/>
+                    </a:solidFill>
+                  </a:tcPr>
+                </a:tc>
+                <a:tc>
+                  <a:txBody>
+                    <a:bodyPr/>
+                    <a:lstStyle/>
+                    <a:p>
+                      <a:r>
+                        <a:rPr lang="en" sz="1100" dirty="0">
+                          <a:effectLst/>
+                        </a:rPr>
+                        <a:t>BIC</a:t>
+                      </a:r>
+                    </a:p>
+                  </a:txBody>
+                  <a:tcPr marL="23047" marR="23047" marT="23047" marB="23047">
+                    <a:lnL w="9525" cap="flat" cmpd="sng" algn="ctr">
+                      <a:solidFill>
+                        <a:srgbClr val="000000"/>
+                      </a:solidFill>
+                      <a:prstDash val="solid"/>
+                      <a:round/>
+                      <a:headEnd type="none" w="med" len="med"/>
+                      <a:tailEnd type="none" w="med" len="med"/>
+                    </a:lnL>
+                    <a:lnR w="9525" cap="flat" cmpd="sng" algn="ctr">
+                      <a:solidFill>
+                        <a:srgbClr val="000000"/>
+                      </a:solidFill>
+                      <a:prstDash val="solid"/>
+                      <a:round/>
+                      <a:headEnd type="none" w="med" len="med"/>
+                      <a:tailEnd type="none" w="med" len="med"/>
+                    </a:lnR>
+                    <a:lnT w="9525" cap="flat" cmpd="sng" algn="ctr">
+                      <a:solidFill>
+                        <a:srgbClr val="000000"/>
+                      </a:solidFill>
+                      <a:prstDash val="solid"/>
+                      <a:round/>
+                      <a:headEnd type="none" w="med" len="med"/>
+                      <a:tailEnd type="none" w="med" len="med"/>
+                    </a:lnT>
+                    <a:lnB w="9525" cap="flat" cmpd="sng" algn="ctr">
+                      <a:solidFill>
+                        <a:srgbClr val="000000"/>
+                      </a:solidFill>
+                      <a:prstDash val="solid"/>
+                      <a:round/>
+                      <a:headEnd type="none" w="med" len="med"/>
+                      <a:tailEnd type="none" w="med" len="med"/>
+                    </a:lnB>
+                  </a:tcPr>
+                </a:tc>
+                <a:tc>
+                  <a:txBody>
+                    <a:bodyPr/>
+                    <a:lstStyle/>
+                    <a:p>
+                      <a:endParaRPr lang="en" sz="1100" dirty="0">
+                        <a:effectLst/>
+                      </a:endParaRPr>
+                    </a:p>
+                  </a:txBody>
+                  <a:tcPr marL="23047" marR="23047" marT="23047" marB="23047">
+                    <a:lnL w="9525" cap="flat" cmpd="sng" algn="ctr">
+                      <a:solidFill>
+                        <a:srgbClr val="000000"/>
+                      </a:solidFill>
+                      <a:prstDash val="solid"/>
+                      <a:round/>
+                      <a:headEnd type="none" w="med" len="med"/>
+                      <a:tailEnd type="none" w="med" len="med"/>
+                    </a:lnL>
+                    <a:lnR w="9525" cap="flat" cmpd="sng" algn="ctr">
+                      <a:solidFill>
+                        <a:srgbClr val="000000"/>
+                      </a:solidFill>
+                      <a:prstDash val="solid"/>
+                      <a:round/>
+                      <a:headEnd type="none" w="med" len="med"/>
+                      <a:tailEnd type="none" w="med" len="med"/>
+                    </a:lnR>
+                    <a:lnT w="9525" cap="flat" cmpd="sng" algn="ctr">
+                      <a:solidFill>
+                        <a:srgbClr val="000000"/>
+                      </a:solidFill>
+                      <a:prstDash val="solid"/>
+                      <a:round/>
+                      <a:headEnd type="none" w="med" len="med"/>
+                      <a:tailEnd type="none" w="med" len="med"/>
+                    </a:lnT>
+                    <a:lnB w="9525" cap="flat" cmpd="sng" algn="ctr">
+                      <a:solidFill>
+                        <a:srgbClr val="000000"/>
+                      </a:solidFill>
+                      <a:prstDash val="solid"/>
+                      <a:round/>
+                      <a:headEnd type="none" w="med" len="med"/>
+                      <a:tailEnd type="none" w="med" len="med"/>
+                    </a:lnB>
+                  </a:tcPr>
+                </a:tc>
+                <a:extLst>
+                  <a:ext uri="{0D108BD9-81ED-4DB2-BD59-A6C34878D82A}">
+                    <a16:rowId xmlns:a16="http://schemas.microsoft.com/office/drawing/2014/main" val="2103862665"/>
                   </a:ext>
                 </a:extLst>
               </a:tr>
@@ -7036,6 +7353,141 @@
     <p:extLst>
       <p:ext uri="{BB962C8B-B14F-4D97-AF65-F5344CB8AC3E}">
         <p14:creationId xmlns:p14="http://schemas.microsoft.com/office/powerpoint/2010/main" val="1914201572"/>
+      </p:ext>
+    </p:extLst>
+  </p:cSld>
+  <p:clrMapOvr>
+    <a:masterClrMapping/>
+  </p:clrMapOvr>
+</p:sld>
+</file>
+
+<file path=ppt/slides/slide4.xml><?xml version="1.0" encoding="utf-8"?>
+<p:sld xmlns:a="http://schemas.openxmlformats.org/drawingml/2006/main" xmlns:r="http://schemas.openxmlformats.org/officeDocument/2006/relationships" xmlns:p="http://schemas.openxmlformats.org/presentationml/2006/main">
+  <p:cSld>
+    <p:spTree>
+      <p:nvGrpSpPr>
+        <p:cNvPr id="1" name=""/>
+        <p:cNvGrpSpPr/>
+        <p:nvPr/>
+      </p:nvGrpSpPr>
+      <p:grpSpPr>
+        <a:xfrm>
+          <a:off x="0" y="0"/>
+          <a:ext cx="0" cy="0"/>
+          <a:chOff x="0" y="0"/>
+          <a:chExt cx="0" cy="0"/>
+        </a:xfrm>
+      </p:grpSpPr>
+      <p:sp>
+        <p:nvSpPr>
+          <p:cNvPr id="2" name="タイトル 1">
+            <a:extLst>
+              <a:ext uri="{FF2B5EF4-FFF2-40B4-BE49-F238E27FC236}">
+                <a16:creationId xmlns:a16="http://schemas.microsoft.com/office/drawing/2014/main" id="{B49FCCA1-A029-0047-8292-CF912C454243}"/>
+              </a:ext>
+            </a:extLst>
+          </p:cNvPr>
+          <p:cNvSpPr>
+            <a:spLocks noGrp="1"/>
+          </p:cNvSpPr>
+          <p:nvPr>
+            <p:ph type="title"/>
+          </p:nvPr>
+        </p:nvSpPr>
+        <p:spPr/>
+        <p:txBody>
+          <a:bodyPr/>
+          <a:lstStyle/>
+          <a:p>
+            <a:r>
+              <a:rPr kumimoji="1" lang="ja-JP" altLang="en-US"/>
+              <a:t>やること</a:t>
+            </a:r>
+          </a:p>
+        </p:txBody>
+      </p:sp>
+      <p:sp>
+        <p:nvSpPr>
+          <p:cNvPr id="3" name="コンテンツ プレースホルダー 2">
+            <a:extLst>
+              <a:ext uri="{FF2B5EF4-FFF2-40B4-BE49-F238E27FC236}">
+                <a16:creationId xmlns:a16="http://schemas.microsoft.com/office/drawing/2014/main" id="{3C0DFC60-5D3A-CA41-A820-C9E2EC6F4C18}"/>
+              </a:ext>
+            </a:extLst>
+          </p:cNvPr>
+          <p:cNvSpPr>
+            <a:spLocks noGrp="1"/>
+          </p:cNvSpPr>
+          <p:nvPr>
+            <p:ph sz="half" idx="1"/>
+          </p:nvPr>
+        </p:nvSpPr>
+        <p:spPr/>
+        <p:txBody>
+          <a:bodyPr/>
+          <a:lstStyle/>
+          <a:p>
+            <a:r>
+              <a:rPr lang="ja-JP" altLang="en-US"/>
+              <a:t>パラメータの結果を見やすくする</a:t>
+            </a:r>
+            <a:r>
+              <a:rPr lang="en-US" altLang="ja-JP" dirty="0"/>
+              <a:t>(</a:t>
+            </a:r>
+            <a:r>
+              <a:rPr lang="en-US" altLang="ja-JP" dirty="0" err="1"/>
+              <a:t>beta_rk</a:t>
+            </a:r>
+            <a:r>
+              <a:rPr lang="ja-JP" altLang="en-US"/>
+              <a:t>みたいに</a:t>
+            </a:r>
+            <a:r>
+              <a:rPr lang="en-US" altLang="ja-JP" dirty="0"/>
+              <a:t>)</a:t>
+            </a:r>
+          </a:p>
+          <a:p>
+            <a:r>
+              <a:rPr lang="en-US" altLang="ja-JP" dirty="0" err="1"/>
+              <a:t>Category_prm</a:t>
+            </a:r>
+            <a:r>
+              <a:rPr lang="ja-JP" altLang="en-US"/>
+              <a:t>を</a:t>
+            </a:r>
+            <a:r>
+              <a:rPr lang="en-US" altLang="ja-JP" dirty="0"/>
+              <a:t>R</a:t>
+            </a:r>
+            <a:r>
+              <a:rPr lang="ja-JP" altLang="en-US"/>
+              <a:t>に依存しないようにする</a:t>
+            </a:r>
+            <a:endParaRPr lang="en-US" altLang="ja-JP" dirty="0"/>
+          </a:p>
+          <a:p>
+            <a:r>
+              <a:rPr lang="en-US" altLang="ja-JP" dirty="0" err="1"/>
+              <a:t>Alpha_rt</a:t>
+            </a:r>
+            <a:r>
+              <a:rPr lang="ja-JP" altLang="en-US"/>
+              <a:t>の分散もう少し小さくする</a:t>
+            </a:r>
+            <a:endParaRPr lang="en-US" altLang="ja-JP" dirty="0"/>
+          </a:p>
+          <a:p>
+            <a:endParaRPr kumimoji="1" lang="ja-JP" altLang="en-US"/>
+          </a:p>
+        </p:txBody>
+      </p:sp>
+    </p:spTree>
+    <p:extLst>
+      <p:ext uri="{BB962C8B-B14F-4D97-AF65-F5344CB8AC3E}">
+        <p14:creationId xmlns:p14="http://schemas.microsoft.com/office/powerpoint/2010/main" val="3248321034"/>
       </p:ext>
     </p:extLst>
   </p:cSld>
